--- a/slides/nlp p03 feed forward networks/nlp p03.3 surname classification mlp.pptx
+++ b/slides/nlp p03 feed forward networks/nlp p03.3 surname classification mlp.pptx
@@ -31096,7 +31096,7 @@
           <p:nvPr>
             <p:extLst>
               <p:ext uri="{D42A27DB-BD31-4B8C-83A1-F6EECF244321}">
-                <p14:modId xmlns:p14="http://schemas.microsoft.com/office/powerpoint/2010/main" val="1680922248"/>
+                <p14:modId xmlns:p14="http://schemas.microsoft.com/office/powerpoint/2010/main" val="1326686130"/>
               </p:ext>
             </p:extLst>
           </p:nvPr>
@@ -31135,7 +31135,7 @@
                     <a:p>
                       <a:r>
                         <a:rPr lang="en-HR" sz="1200" dirty="0"/>
-                        <a:t>token</a:t>
+                        <a:t>idx</a:t>
                       </a:r>
                     </a:p>
                   </a:txBody>
@@ -31148,7 +31148,7 @@
                     <a:p>
                       <a:r>
                         <a:rPr lang="en-HR" sz="1200" dirty="0"/>
-                        <a:t>idx</a:t>
+                        <a:t>token</a:t>
                       </a:r>
                     </a:p>
                   </a:txBody>
@@ -31224,7 +31224,7 @@
                           <a:ea typeface="+mn-ea"/>
                           <a:cs typeface="Courier New" panose="02070309020205020404" pitchFamily="49" charset="0"/>
                         </a:rPr>
-                        <a:t>unfortunately</a:t>
+                        <a:t>Jackson</a:t>
                       </a:r>
                       <a:endParaRPr lang="en-HR" sz="1200" dirty="0">
                         <a:latin typeface="+mn-lt"/>
@@ -31270,7 +31270,7 @@
                           <a:ea typeface="+mn-ea"/>
                           <a:cs typeface="Courier New" panose="02070309020205020404" pitchFamily="49" charset="0"/>
                         </a:rPr>
-                        <a:t>the</a:t>
+                        <a:t>Rahal</a:t>
                       </a:r>
                       <a:endParaRPr lang="en-HR" sz="1200" dirty="0">
                         <a:latin typeface="+mn-lt"/>
@@ -31310,7 +31310,7 @@
                         <a:rPr lang="en-HR" sz="1200" dirty="0">
                           <a:latin typeface="+mn-lt"/>
                         </a:rPr>
-                        <a:t>frustration</a:t>
+                        <a:t>Panek</a:t>
                       </a:r>
                     </a:p>
                   </a:txBody>
@@ -31404,8 +31404,8 @@
         </p:nvSpPr>
         <p:spPr>
           <a:xfrm>
-            <a:off x="136043" y="2420888"/>
-            <a:ext cx="777777" cy="369332"/>
+            <a:off x="-70745" y="2420888"/>
+            <a:ext cx="984565" cy="369332"/>
           </a:xfrm>
           <a:prstGeom prst="rect">
             <a:avLst/>
@@ -31423,7 +31423,7 @@
               <a:rPr lang="en-HR" dirty="0">
                 <a:sym typeface="Wingdings" pitchFamily="2" charset="2"/>
               </a:rPr>
-              <a:t>the </a:t>
+              <a:t>Rahal </a:t>
             </a:r>
             <a:endParaRPr lang="en-HR" dirty="0"/>
           </a:p>
@@ -31521,7 +31521,7 @@
         <p:spPr>
           <a:xfrm>
             <a:off x="3142896" y="2834352"/>
-            <a:ext cx="1457643" cy="369332"/>
+            <a:ext cx="1029321" cy="369332"/>
           </a:xfrm>
           <a:prstGeom prst="rect">
             <a:avLst/>
@@ -31538,7 +31538,7 @@
               <a:rPr lang="en-HR" dirty="0">
                 <a:sym typeface="Wingdings" pitchFamily="2" charset="2"/>
               </a:rPr>
-              <a:t> frustration</a:t>
+              <a:t> Panek</a:t>
             </a:r>
             <a:endParaRPr lang="en-HR" dirty="0"/>
           </a:p>
@@ -31559,7 +31559,7 @@
         <p:spPr>
           <a:xfrm>
             <a:off x="5646707" y="1916832"/>
-            <a:ext cx="1944216" cy="1656184"/>
+            <a:ext cx="1944216" cy="2664296"/>
           </a:xfrm>
           <a:prstGeom prst="roundRect">
             <a:avLst>
@@ -31611,14 +31611,14 @@
           <p:nvPr>
             <p:extLst>
               <p:ext uri="{D42A27DB-BD31-4B8C-83A1-F6EECF244321}">
-                <p14:modId xmlns:p14="http://schemas.microsoft.com/office/powerpoint/2010/main" val="3912503956"/>
+                <p14:modId xmlns:p14="http://schemas.microsoft.com/office/powerpoint/2010/main" val="4043625827"/>
               </p:ext>
             </p:extLst>
           </p:nvPr>
         </p:nvGraphicFramePr>
         <p:xfrm>
           <a:off x="5807094" y="2564904"/>
-          <a:ext cx="1623442" cy="822960"/>
+          <a:ext cx="1623442" cy="1371600"/>
         </p:xfrm>
         <a:graphic>
           <a:graphicData uri="http://schemas.openxmlformats.org/drawingml/2006/table">
@@ -31650,7 +31650,7 @@
                     <a:p>
                       <a:r>
                         <a:rPr lang="en-HR" sz="1200" dirty="0"/>
-                        <a:t>token</a:t>
+                        <a:t>idx</a:t>
                       </a:r>
                     </a:p>
                   </a:txBody>
@@ -31663,7 +31663,7 @@
                     <a:p>
                       <a:r>
                         <a:rPr lang="en-HR" sz="1200" dirty="0"/>
-                        <a:t>idx</a:t>
+                        <a:t>token</a:t>
                       </a:r>
                     </a:p>
                   </a:txBody>
@@ -31751,6 +31751,70 @@
                 <a:extLst>
                   <a:ext uri="{0D108BD9-81ED-4DB2-BD59-A6C34878D82A}">
                     <a16:rowId xmlns:a16="http://schemas.microsoft.com/office/drawing/2014/main" val="3043118271"/>
+                  </a:ext>
+                </a:extLst>
+              </a:tr>
+              <a:tr h="215238">
+                <a:tc>
+                  <a:txBody>
+                    <a:bodyPr/>
+                    <a:lstStyle/>
+                    <a:p>
+                      <a:r>
+                        <a:rPr lang="en-HR" sz="1200" dirty="0"/>
+                        <a:t>…</a:t>
+                      </a:r>
+                    </a:p>
+                  </a:txBody>
+                  <a:tcPr marL="45720" marR="45720"/>
+                </a:tc>
+                <a:tc>
+                  <a:txBody>
+                    <a:bodyPr/>
+                    <a:lstStyle/>
+                    <a:p>
+                      <a:endParaRPr lang="en-HR" sz="1200" dirty="0">
+                        <a:latin typeface="+mn-lt"/>
+                      </a:endParaRPr>
+                    </a:p>
+                  </a:txBody>
+                  <a:tcPr marL="45720" marR="45720"/>
+                </a:tc>
+                <a:extLst>
+                  <a:ext uri="{0D108BD9-81ED-4DB2-BD59-A6C34878D82A}">
+                    <a16:rowId xmlns:a16="http://schemas.microsoft.com/office/drawing/2014/main" val="3002218891"/>
+                  </a:ext>
+                </a:extLst>
+              </a:tr>
+              <a:tr h="215238">
+                <a:tc>
+                  <a:txBody>
+                    <a:bodyPr/>
+                    <a:lstStyle/>
+                    <a:p>
+                      <a:r>
+                        <a:rPr lang="en-HR" sz="1200" dirty="0"/>
+                        <a:t>m</a:t>
+                      </a:r>
+                    </a:p>
+                  </a:txBody>
+                  <a:tcPr marL="45720" marR="45720"/>
+                </a:tc>
+                <a:tc>
+                  <a:txBody>
+                    <a:bodyPr/>
+                    <a:lstStyle/>
+                    <a:p>
+                      <a:endParaRPr lang="en-HR" sz="1200" dirty="0">
+                        <a:latin typeface="+mn-lt"/>
+                      </a:endParaRPr>
+                    </a:p>
+                  </a:txBody>
+                  <a:tcPr marL="45720" marR="45720"/>
+                </a:tc>
+                <a:extLst>
+                  <a:ext uri="{0D108BD9-81ED-4DB2-BD59-A6C34878D82A}">
+                    <a16:rowId xmlns:a16="http://schemas.microsoft.com/office/drawing/2014/main" val="4034248242"/>
                   </a:ext>
                 </a:extLst>
               </a:tr>
@@ -35609,7 +35673,7 @@
         </p:nvSpPr>
         <p:spPr>
           <a:xfrm>
-            <a:off x="323528" y="2756461"/>
+            <a:off x="323528" y="2796784"/>
             <a:ext cx="2520280" cy="369332"/>
           </a:xfrm>
           <a:prstGeom prst="rect">
@@ -35623,6 +35687,7 @@
           </a:bodyPr>
           <a:lstStyle/>
           <a:p>
+            <a:pPr algn="r"/>
             <a:r>
               <a:rPr lang="en-GB" sz="1800" b="0" i="0" kern="1200" dirty="0">
                 <a:solidFill>
@@ -35632,7 +35697,7 @@
                 <a:ea typeface="+mn-ea"/>
                 <a:cs typeface="Courier New" panose="02070309020205020404" pitchFamily="49" charset="0"/>
               </a:rPr>
-              <a:t>did take out because </a:t>
+              <a:t>Rahal </a:t>
             </a:r>
             <a:r>
               <a:rPr lang="en-GB" sz="1800" b="0" i="0" kern="1200" dirty="0">
@@ -38496,14 +38561,14 @@
           <p:nvPr>
             <p:extLst>
               <p:ext uri="{D42A27DB-BD31-4B8C-83A1-F6EECF244321}">
-                <p14:modId xmlns:p14="http://schemas.microsoft.com/office/powerpoint/2010/main" val="1904844062"/>
+                <p14:modId xmlns:p14="http://schemas.microsoft.com/office/powerpoint/2010/main" val="2900536938"/>
               </p:ext>
             </p:extLst>
           </p:nvPr>
         </p:nvGraphicFramePr>
         <p:xfrm>
           <a:off x="1220388" y="2348880"/>
-          <a:ext cx="2717386" cy="1097280"/>
+          <a:ext cx="2786664" cy="1097280"/>
         </p:xfrm>
         <a:graphic>
           <a:graphicData uri="http://schemas.openxmlformats.org/drawingml/2006/table">
@@ -38512,7 +38577,7 @@
                 <a:tableStyleId>{073A0DAA-6AF3-43AB-8588-CEC1D06C72B9}</a:tableStyleId>
               </a:tblPr>
               <a:tblGrid>
-                <a:gridCol w="680403">
+                <a:gridCol w="749681">
                   <a:extLst>
                     <a:ext uri="{9D8B030D-6E8A-4147-A177-3AD203B41FA5}">
                       <a16:colId xmlns:a16="http://schemas.microsoft.com/office/drawing/2014/main" val="168152099"/>
@@ -38574,7 +38639,7 @@
                     <a:p>
                       <a:r>
                         <a:rPr lang="en-HR" sz="1200" dirty="0"/>
-                        <a:t>rnationality</a:t>
+                        <a:t>nationality</a:t>
                       </a:r>
                     </a:p>
                   </a:txBody>
@@ -38636,7 +38701,7 @@
                     <a:p>
                       <a:r>
                         <a:rPr lang="en-HR" sz="1200" dirty="0"/>
-                        <a:t>1</a:t>
+                        <a:t>Woodford</a:t>
                       </a:r>
                     </a:p>
                   </a:txBody>
@@ -38667,7 +38732,7 @@
                           <a:ea typeface="+mn-ea"/>
                           <a:cs typeface="Courier New" panose="02070309020205020404" pitchFamily="49" charset="0"/>
                         </a:rPr>
-                        <a:t>Unfortunately, </a:t>
+                        <a:t>English</a:t>
                       </a:r>
                       <a:endParaRPr lang="en-HR" sz="1200" dirty="0">
                         <a:latin typeface="+mn-lt"/>
@@ -38713,12 +38778,32 @@
                     <a:bodyPr/>
                     <a:lstStyle/>
                     <a:p>
-                      <a:r>
-                        <a:rPr lang="en-HR" sz="1200" dirty="0">
+                      <a:pPr marL="0" marR="0" indent="0" algn="l" defTabSz="914400" rtl="0" eaLnBrk="1" fontAlgn="auto" latinLnBrk="0" hangingPunct="1">
+                        <a:lnSpc>
+                          <a:spcPct val="100000"/>
+                        </a:lnSpc>
+                        <a:spcBef>
+                          <a:spcPts val="0"/>
+                        </a:spcBef>
+                        <a:spcAft>
+                          <a:spcPts val="0"/>
+                        </a:spcAft>
+                        <a:buClrTx/>
+                        <a:buSzTx/>
+                        <a:buFontTx/>
+                        <a:buNone/>
+                        <a:tabLst/>
+                        <a:defRPr/>
+                      </a:pPr>
+                      <a:r>
+                        <a:rPr lang="en-US" sz="1200" dirty="0" err="1">
                           <a:latin typeface="+mn-lt"/>
                         </a:rPr>
-                        <a:t>2</a:t>
-                      </a:r>
+                        <a:t>Abboud</a:t>
+                      </a:r>
+                      <a:endParaRPr lang="en-HR" sz="1200" dirty="0">
+                        <a:latin typeface="+mn-lt"/>
+                      </a:endParaRPr>
                     </a:p>
                   </a:txBody>
                   <a:tcPr marL="45720" marR="45720">
@@ -38748,7 +38833,7 @@
                           <a:ea typeface="+mn-ea"/>
                           <a:cs typeface="Courier New" panose="02070309020205020404" pitchFamily="49" charset="0"/>
                         </a:rPr>
-                        <a:t>Stellar! </a:t>
+                        <a:t>Arabic</a:t>
                       </a:r>
                       <a:endParaRPr lang="en-HR" sz="1200" dirty="0">
                         <a:latin typeface="+mn-lt"/>
@@ -38899,7 +38984,7 @@
           <p:nvPr>
             <p:extLst>
               <p:ext uri="{D42A27DB-BD31-4B8C-83A1-F6EECF244321}">
-                <p14:modId xmlns:p14="http://schemas.microsoft.com/office/powerpoint/2010/main" val="2167615910"/>
+                <p14:modId xmlns:p14="http://schemas.microsoft.com/office/powerpoint/2010/main" val="2567885329"/>
               </p:ext>
             </p:extLst>
           </p:nvPr>
@@ -38993,7 +39078,7 @@
                         <a:rPr lang="en-HR" sz="1200" dirty="0">
                           <a:latin typeface="+mn-lt"/>
                         </a:rPr>
-                        <a:t>1</a:t>
+                        <a:t>Jackson</a:t>
                       </a:r>
                     </a:p>
                   </a:txBody>
@@ -39008,7 +39093,7 @@
                         <a:rPr lang="en-HR" sz="1200" dirty="0">
                           <a:latin typeface="+mn-lt"/>
                         </a:rPr>
-                        <a:t>Did take out</a:t>
+                        <a:t>English</a:t>
                       </a:r>
                     </a:p>
                   </a:txBody>
@@ -39043,7 +39128,7 @@
                     <a:p>
                       <a:r>
                         <a:rPr lang="en-HR" sz="1200" dirty="0"/>
-                        <a:t>2</a:t>
+                        <a:t>Sayegh</a:t>
                       </a:r>
                     </a:p>
                   </a:txBody>
@@ -39058,7 +39143,7 @@
                         <a:rPr lang="en-HR" sz="1200" dirty="0">
                           <a:latin typeface="+mn-lt"/>
                         </a:rPr>
-                        <a:t>Lee Lee's</a:t>
+                        <a:t>Arabic</a:t>
                       </a:r>
                     </a:p>
                   </a:txBody>
@@ -39148,7 +39233,7 @@
           <p:nvPr>
             <p:extLst>
               <p:ext uri="{D42A27DB-BD31-4B8C-83A1-F6EECF244321}">
-                <p14:modId xmlns:p14="http://schemas.microsoft.com/office/powerpoint/2010/main" val="605637071"/>
+                <p14:modId xmlns:p14="http://schemas.microsoft.com/office/powerpoint/2010/main" val="2823467769"/>
               </p:ext>
             </p:extLst>
           </p:nvPr>
@@ -39242,7 +39327,7 @@
                         <a:rPr lang="en-HR" sz="1200" dirty="0">
                           <a:latin typeface="+mn-lt"/>
                         </a:rPr>
-                        <a:t>1</a:t>
+                        <a:t>Kore</a:t>
                       </a:r>
                     </a:p>
                   </a:txBody>
@@ -39263,7 +39348,7 @@
                           <a:ea typeface="+mn-ea"/>
                           <a:cs typeface="Courier New" panose="02070309020205020404" pitchFamily="49" charset="0"/>
                         </a:rPr>
-                        <a:t>After spending</a:t>
+                        <a:t>English</a:t>
                       </a:r>
                       <a:endParaRPr lang="en-HR" sz="1200" dirty="0">
                         <a:latin typeface="+mn-lt"/>
@@ -39301,7 +39386,7 @@
                     <a:p>
                       <a:r>
                         <a:rPr lang="en-HR" sz="1200" dirty="0"/>
-                        <a:t>2</a:t>
+                        <a:t>Srour</a:t>
                       </a:r>
                     </a:p>
                   </a:txBody>
@@ -39322,7 +39407,7 @@
                           <a:ea typeface="+mn-ea"/>
                           <a:cs typeface="Courier New" panose="02070309020205020404" pitchFamily="49" charset="0"/>
                         </a:rPr>
-                        <a:t>Been going to ...</a:t>
+                        <a:t>Arabic</a:t>
                       </a:r>
                       <a:endParaRPr lang="en-HR" sz="1200" dirty="0">
                         <a:latin typeface="+mn-lt"/>
